--- a/scitani-v-cislech.pptx
+++ b/scitani-v-cislech.pptx
@@ -5,10 +5,10 @@
     <p:sldMasterId id="2147483660" r:id="rId1"/>
   </p:sldMasterIdLst>
   <p:notesMasterIdLst>
-    <p:notesMasterId r:id="rId20"/>
+    <p:notesMasterId r:id="rId23"/>
   </p:notesMasterIdLst>
   <p:handoutMasterIdLst>
-    <p:handoutMasterId r:id="rId21"/>
+    <p:handoutMasterId r:id="rId24"/>
   </p:handoutMasterIdLst>
   <p:sldIdLst>
     <p:sldId id="350" r:id="rId2"/>
@@ -24,11 +24,14 @@
     <p:sldId id="361" r:id="rId12"/>
     <p:sldId id="362" r:id="rId13"/>
     <p:sldId id="364" r:id="rId14"/>
-    <p:sldId id="358" r:id="rId15"/>
-    <p:sldId id="365" r:id="rId16"/>
-    <p:sldId id="367" r:id="rId17"/>
-    <p:sldId id="368" r:id="rId18"/>
-    <p:sldId id="366" r:id="rId19"/>
+    <p:sldId id="365" r:id="rId15"/>
+    <p:sldId id="367" r:id="rId16"/>
+    <p:sldId id="368" r:id="rId17"/>
+    <p:sldId id="371" r:id="rId18"/>
+    <p:sldId id="372" r:id="rId19"/>
+    <p:sldId id="373" r:id="rId20"/>
+    <p:sldId id="370" r:id="rId21"/>
+    <p:sldId id="369" r:id="rId22"/>
   </p:sldIdLst>
   <p:sldSz cx="10080625" cy="7559675"/>
   <p:notesSz cx="7559675" cy="10691813"/>
@@ -149,11 +152,14 @@
             <p14:sldId id="361"/>
             <p14:sldId id="362"/>
             <p14:sldId id="364"/>
-            <p14:sldId id="358"/>
             <p14:sldId id="365"/>
             <p14:sldId id="367"/>
             <p14:sldId id="368"/>
-            <p14:sldId id="366"/>
+            <p14:sldId id="371"/>
+            <p14:sldId id="372"/>
+            <p14:sldId id="373"/>
+            <p14:sldId id="370"/>
+            <p14:sldId id="369"/>
           </p14:sldIdLst>
         </p14:section>
       </p14:sectionLst>
@@ -1084,6 +1090,346 @@
     <p:extLst>
       <p:ext uri="{BB962C8B-B14F-4D97-AF65-F5344CB8AC3E}">
         <p14:creationId xmlns:p14="http://schemas.microsoft.com/office/powerpoint/2010/main" val="3563449929"/>
+      </p:ext>
+    </p:extLst>
+  </p:cSld>
+  <p:clrMapOvr>
+    <a:masterClrMapping/>
+  </p:clrMapOvr>
+</p:notes>
+</file>
+
+<file path=ppt/notesSlides/notesSlide4.xml><?xml version="1.0" encoding="utf-8"?>
+<p:notes xmlns:a="http://schemas.openxmlformats.org/drawingml/2006/main" xmlns:r="http://schemas.openxmlformats.org/officeDocument/2006/relationships" xmlns:p="http://schemas.openxmlformats.org/presentationml/2006/main">
+  <p:cSld>
+    <p:spTree>
+      <p:nvGrpSpPr>
+        <p:cNvPr id="1" name=""/>
+        <p:cNvGrpSpPr/>
+        <p:nvPr/>
+      </p:nvGrpSpPr>
+      <p:grpSpPr>
+        <a:xfrm>
+          <a:off x="0" y="0"/>
+          <a:ext cx="0" cy="0"/>
+          <a:chOff x="0" y="0"/>
+          <a:chExt cx="0" cy="0"/>
+        </a:xfrm>
+      </p:grpSpPr>
+      <p:sp>
+        <p:nvSpPr>
+          <p:cNvPr id="2" name="Slide Image Placeholder 1"/>
+          <p:cNvSpPr>
+            <a:spLocks noGrp="1" noRot="1" noChangeAspect="1"/>
+          </p:cNvSpPr>
+          <p:nvPr>
+            <p:ph type="sldImg"/>
+          </p:nvPr>
+        </p:nvSpPr>
+        <p:spPr>
+          <a:xfrm>
+            <a:off x="1106488" y="812800"/>
+            <a:ext cx="5345112" cy="4008438"/>
+          </a:xfrm>
+        </p:spPr>
+      </p:sp>
+      <p:sp>
+        <p:nvSpPr>
+          <p:cNvPr id="3" name="Notes Placeholder 2"/>
+          <p:cNvSpPr>
+            <a:spLocks noGrp="1"/>
+          </p:cNvSpPr>
+          <p:nvPr>
+            <p:ph type="body" idx="1"/>
+          </p:nvPr>
+        </p:nvSpPr>
+        <p:spPr/>
+        <p:txBody>
+          <a:bodyPr/>
+          <a:lstStyle/>
+          <a:p>
+            <a:r>
+              <a:rPr lang="cs-CZ" dirty="0"/>
+              <a:t>Adam </a:t>
+            </a:r>
+            <a:r>
+              <a:rPr lang="cs-CZ" dirty="0" err="1"/>
+              <a:t>Furik</a:t>
+            </a:r>
+            <a:endParaRPr lang="en-US" dirty="0"/>
+          </a:p>
+        </p:txBody>
+      </p:sp>
+      <p:sp>
+        <p:nvSpPr>
+          <p:cNvPr id="4" name="Slide Number Placeholder 3"/>
+          <p:cNvSpPr>
+            <a:spLocks noGrp="1"/>
+          </p:cNvSpPr>
+          <p:nvPr>
+            <p:ph type="sldNum" sz="quarter" idx="5"/>
+          </p:nvPr>
+        </p:nvSpPr>
+        <p:spPr/>
+        <p:txBody>
+          <a:bodyPr/>
+          <a:lstStyle/>
+          <a:p>
+            <a:pPr lvl="0"/>
+            <a:fld id="{844939A0-27B8-414F-9190-1B6153DC341D}" type="slidenum">
+              <a:rPr lang="en-US" smtClean="0"/>
+              <a:t>18</a:t>
+            </a:fld>
+            <a:endParaRPr lang="en-US"/>
+          </a:p>
+        </p:txBody>
+      </p:sp>
+    </p:spTree>
+    <p:extLst>
+      <p:ext uri="{BB962C8B-B14F-4D97-AF65-F5344CB8AC3E}">
+        <p14:creationId xmlns:p14="http://schemas.microsoft.com/office/powerpoint/2010/main" val="3918184084"/>
+      </p:ext>
+    </p:extLst>
+  </p:cSld>
+  <p:clrMapOvr>
+    <a:masterClrMapping/>
+  </p:clrMapOvr>
+</p:notes>
+</file>
+
+<file path=ppt/notesSlides/notesSlide5.xml><?xml version="1.0" encoding="utf-8"?>
+<p:notes xmlns:a="http://schemas.openxmlformats.org/drawingml/2006/main" xmlns:r="http://schemas.openxmlformats.org/officeDocument/2006/relationships" xmlns:p="http://schemas.openxmlformats.org/presentationml/2006/main">
+  <p:cSld>
+    <p:spTree>
+      <p:nvGrpSpPr>
+        <p:cNvPr id="1" name=""/>
+        <p:cNvGrpSpPr/>
+        <p:nvPr/>
+      </p:nvGrpSpPr>
+      <p:grpSpPr>
+        <a:xfrm>
+          <a:off x="0" y="0"/>
+          <a:ext cx="0" cy="0"/>
+          <a:chOff x="0" y="0"/>
+          <a:chExt cx="0" cy="0"/>
+        </a:xfrm>
+      </p:grpSpPr>
+      <p:sp>
+        <p:nvSpPr>
+          <p:cNvPr id="2" name="Slide Image Placeholder 1"/>
+          <p:cNvSpPr>
+            <a:spLocks noGrp="1" noRot="1" noChangeAspect="1"/>
+          </p:cNvSpPr>
+          <p:nvPr>
+            <p:ph type="sldImg"/>
+          </p:nvPr>
+        </p:nvSpPr>
+        <p:spPr>
+          <a:xfrm>
+            <a:off x="1106488" y="812800"/>
+            <a:ext cx="5345112" cy="4008438"/>
+          </a:xfrm>
+        </p:spPr>
+      </p:sp>
+      <p:sp>
+        <p:nvSpPr>
+          <p:cNvPr id="3" name="Notes Placeholder 2"/>
+          <p:cNvSpPr>
+            <a:spLocks noGrp="1"/>
+          </p:cNvSpPr>
+          <p:nvPr>
+            <p:ph type="body" idx="1"/>
+          </p:nvPr>
+        </p:nvSpPr>
+        <p:spPr/>
+        <p:txBody>
+          <a:bodyPr/>
+          <a:lstStyle/>
+          <a:p>
+            <a:r>
+              <a:rPr lang="cs-CZ" dirty="0" err="1"/>
+              <a:t>Hintzu</a:t>
+            </a:r>
+            <a:r>
+              <a:rPr lang="cs-CZ" dirty="0"/>
+              <a:t> - </a:t>
+            </a:r>
+            <a:r>
+              <a:rPr lang="cs-CZ" dirty="0" err="1"/>
+              <a:t>Horgoš</a:t>
+            </a:r>
+            <a:endParaRPr lang="en-US" dirty="0"/>
+          </a:p>
+        </p:txBody>
+      </p:sp>
+      <p:sp>
+        <p:nvSpPr>
+          <p:cNvPr id="4" name="Slide Number Placeholder 3"/>
+          <p:cNvSpPr>
+            <a:spLocks noGrp="1"/>
+          </p:cNvSpPr>
+          <p:nvPr>
+            <p:ph type="sldNum" sz="quarter" idx="5"/>
+          </p:nvPr>
+        </p:nvSpPr>
+        <p:spPr/>
+        <p:txBody>
+          <a:bodyPr/>
+          <a:lstStyle/>
+          <a:p>
+            <a:pPr lvl="0"/>
+            <a:fld id="{844939A0-27B8-414F-9190-1B6153DC341D}" type="slidenum">
+              <a:rPr lang="en-US" smtClean="0"/>
+              <a:t>19</a:t>
+            </a:fld>
+            <a:endParaRPr lang="en-US"/>
+          </a:p>
+        </p:txBody>
+      </p:sp>
+    </p:spTree>
+    <p:extLst>
+      <p:ext uri="{BB962C8B-B14F-4D97-AF65-F5344CB8AC3E}">
+        <p14:creationId xmlns:p14="http://schemas.microsoft.com/office/powerpoint/2010/main" val="2359774114"/>
+      </p:ext>
+    </p:extLst>
+  </p:cSld>
+  <p:clrMapOvr>
+    <a:masterClrMapping/>
+  </p:clrMapOvr>
+</p:notes>
+</file>
+
+<file path=ppt/notesSlides/notesSlide6.xml><?xml version="1.0" encoding="utf-8"?>
+<p:notes xmlns:a="http://schemas.openxmlformats.org/drawingml/2006/main" xmlns:r="http://schemas.openxmlformats.org/officeDocument/2006/relationships" xmlns:p="http://schemas.openxmlformats.org/presentationml/2006/main">
+  <p:cSld>
+    <p:spTree>
+      <p:nvGrpSpPr>
+        <p:cNvPr id="1" name=""/>
+        <p:cNvGrpSpPr/>
+        <p:nvPr/>
+      </p:nvGrpSpPr>
+      <p:grpSpPr>
+        <a:xfrm>
+          <a:off x="0" y="0"/>
+          <a:ext cx="0" cy="0"/>
+          <a:chOff x="0" y="0"/>
+          <a:chExt cx="0" cy="0"/>
+        </a:xfrm>
+      </p:grpSpPr>
+      <p:sp>
+        <p:nvSpPr>
+          <p:cNvPr id="2" name="Slide Image Placeholder 1"/>
+          <p:cNvSpPr>
+            <a:spLocks noGrp="1" noRot="1" noChangeAspect="1"/>
+          </p:cNvSpPr>
+          <p:nvPr>
+            <p:ph type="sldImg"/>
+          </p:nvPr>
+        </p:nvSpPr>
+        <p:spPr>
+          <a:xfrm>
+            <a:off x="1106488" y="812800"/>
+            <a:ext cx="5345112" cy="4008438"/>
+          </a:xfrm>
+        </p:spPr>
+      </p:sp>
+      <p:sp>
+        <p:nvSpPr>
+          <p:cNvPr id="3" name="Notes Placeholder 2"/>
+          <p:cNvSpPr>
+            <a:spLocks noGrp="1"/>
+          </p:cNvSpPr>
+          <p:nvPr>
+            <p:ph type="body" idx="1"/>
+          </p:nvPr>
+        </p:nvSpPr>
+        <p:spPr/>
+        <p:txBody>
+          <a:bodyPr/>
+          <a:lstStyle/>
+          <a:p>
+            <a:r>
+              <a:rPr lang="en-US" sz="2000" b="0" i="0" u="none" strike="noStrike" kern="1200" cap="none" dirty="0" err="1">
+                <a:ln>
+                  <a:noFill/>
+                </a:ln>
+                <a:effectLst/>
+                <a:latin typeface="Liberation Sans" pitchFamily="18"/>
+              </a:rPr>
+              <a:t>šimánek</a:t>
+            </a:r>
+            <a:r>
+              <a:rPr lang="en-US" sz="2000" b="0" i="0" u="none" strike="noStrike" kern="1200" cap="none" dirty="0">
+                <a:ln>
+                  <a:noFill/>
+                </a:ln>
+                <a:effectLst/>
+                <a:latin typeface="Liberation Sans" pitchFamily="18"/>
+              </a:rPr>
+              <a:t>: 3865 </a:t>
+            </a:r>
+            <a:r>
+              <a:rPr lang="en-US" sz="2000" b="0" i="0" u="none" strike="noStrike" kern="1200" cap="none" dirty="0" err="1">
+                <a:ln>
+                  <a:noFill/>
+                </a:ln>
+                <a:effectLst/>
+                <a:latin typeface="Liberation Sans" pitchFamily="18"/>
+              </a:rPr>
+              <a:t>slov</a:t>
+            </a:r>
+            <a:r>
+              <a:rPr lang="en-US" sz="2000" b="0" i="0" u="none" strike="noStrike" kern="1200" cap="none" dirty="0">
+                <a:ln>
+                  <a:noFill/>
+                </a:ln>
+                <a:effectLst/>
+                <a:latin typeface="Liberation Sans" pitchFamily="18"/>
+              </a:rPr>
+              <a:t>, 22763 </a:t>
+            </a:r>
+            <a:r>
+              <a:rPr lang="en-US" sz="2000" b="0" i="0" u="none" strike="noStrike" kern="1200" cap="none" dirty="0" err="1">
+                <a:ln>
+                  <a:noFill/>
+                </a:ln>
+                <a:effectLst/>
+                <a:latin typeface="Liberation Sans" pitchFamily="18"/>
+              </a:rPr>
+              <a:t>znaků</a:t>
+            </a:r>
+            <a:endParaRPr lang="en-US" dirty="0"/>
+          </a:p>
+        </p:txBody>
+      </p:sp>
+      <p:sp>
+        <p:nvSpPr>
+          <p:cNvPr id="4" name="Slide Number Placeholder 3"/>
+          <p:cNvSpPr>
+            <a:spLocks noGrp="1"/>
+          </p:cNvSpPr>
+          <p:nvPr>
+            <p:ph type="sldNum" sz="quarter" idx="5"/>
+          </p:nvPr>
+        </p:nvSpPr>
+        <p:spPr/>
+        <p:txBody>
+          <a:bodyPr/>
+          <a:lstStyle/>
+          <a:p>
+            <a:pPr lvl="0"/>
+            <a:fld id="{844939A0-27B8-414F-9190-1B6153DC341D}" type="slidenum">
+              <a:rPr lang="en-US" smtClean="0"/>
+              <a:t>20</a:t>
+            </a:fld>
+            <a:endParaRPr lang="en-US"/>
+          </a:p>
+        </p:txBody>
+      </p:sp>
+    </p:spTree>
+    <p:extLst>
+      <p:ext uri="{BB962C8B-B14F-4D97-AF65-F5344CB8AC3E}">
+        <p14:creationId xmlns:p14="http://schemas.microsoft.com/office/powerpoint/2010/main" val="2010544837"/>
       </p:ext>
     </p:extLst>
   </p:cSld>
@@ -7263,7 +7609,7 @@
             <p:ph idx="1"/>
           </p:nvPr>
         </p:nvPicPr>
-        <p:blipFill>
+        <p:blipFill rotWithShape="1">
           <a:blip r:embed="rId2">
             <a:extLst>
               <a:ext uri="{28A0092B-C50C-407E-A947-70E740481C1C}">
@@ -7271,14 +7617,13 @@
               </a:ext>
             </a:extLst>
           </a:blip>
-          <a:stretch>
-            <a:fillRect/>
-          </a:stretch>
+          <a:srcRect r="6633"/>
+          <a:stretch/>
         </p:blipFill>
         <p:spPr>
           <a:xfrm>
-            <a:off x="-1" y="2853732"/>
-            <a:ext cx="10084165" cy="4705943"/>
+            <a:off x="0" y="2853732"/>
+            <a:ext cx="9415306" cy="4705943"/>
           </a:xfrm>
         </p:spPr>
       </p:pic>
@@ -7652,113 +7997,6 @@
           <p:cNvPr id="2" name="Title 1">
             <a:extLst>
               <a:ext uri="{FF2B5EF4-FFF2-40B4-BE49-F238E27FC236}">
-                <a16:creationId xmlns:a16="http://schemas.microsoft.com/office/drawing/2014/main" id="{517742FF-8D46-45A6-B636-80E65756BF5D}"/>
-              </a:ext>
-            </a:extLst>
-          </p:cNvPr>
-          <p:cNvSpPr>
-            <a:spLocks noGrp="1"/>
-          </p:cNvSpPr>
-          <p:nvPr>
-            <p:ph type="title"/>
-          </p:nvPr>
-        </p:nvSpPr>
-        <p:spPr>
-          <a:xfrm>
-            <a:off x="672041" y="671971"/>
-            <a:ext cx="8200654" cy="1455937"/>
-          </a:xfrm>
-        </p:spPr>
-        <p:txBody>
-          <a:bodyPr/>
-          <a:lstStyle/>
-          <a:p>
-            <a:r>
-              <a:rPr lang="cs-CZ" dirty="0">
-                <a:solidFill>
-                  <a:schemeClr val="tx1"/>
-                </a:solidFill>
-              </a:rPr>
-              <a:t>Příspěvky a komentáře 2011-2019</a:t>
-            </a:r>
-            <a:endParaRPr lang="en-US" dirty="0">
-              <a:solidFill>
-                <a:schemeClr val="tx1"/>
-              </a:solidFill>
-            </a:endParaRPr>
-          </a:p>
-        </p:txBody>
-      </p:sp>
-      <p:pic>
-        <p:nvPicPr>
-          <p:cNvPr id="11" name="Content Placeholder 10">
-            <a:extLst>
-              <a:ext uri="{FF2B5EF4-FFF2-40B4-BE49-F238E27FC236}">
-                <a16:creationId xmlns:a16="http://schemas.microsoft.com/office/drawing/2014/main" id="{196C4EFB-920D-47F2-83B9-922DCD7029B6}"/>
-              </a:ext>
-            </a:extLst>
-          </p:cNvPr>
-          <p:cNvPicPr>
-            <a:picLocks noGrp="1" noChangeAspect="1"/>
-          </p:cNvPicPr>
-          <p:nvPr>
-            <p:ph idx="1"/>
-          </p:nvPr>
-        </p:nvPicPr>
-        <p:blipFill>
-          <a:blip r:embed="rId2">
-            <a:extLst>
-              <a:ext uri="{28A0092B-C50C-407E-A947-70E740481C1C}">
-                <a14:useLocalDpi xmlns:a14="http://schemas.microsoft.com/office/drawing/2010/main" val="0"/>
-              </a:ext>
-            </a:extLst>
-          </a:blip>
-          <a:stretch>
-            <a:fillRect/>
-          </a:stretch>
-        </p:blipFill>
-        <p:spPr>
-          <a:xfrm>
-            <a:off x="-1" y="2853732"/>
-            <a:ext cx="10084165" cy="4705943"/>
-          </a:xfrm>
-        </p:spPr>
-      </p:pic>
-    </p:spTree>
-    <p:extLst>
-      <p:ext uri="{BB962C8B-B14F-4D97-AF65-F5344CB8AC3E}">
-        <p14:creationId xmlns:p14="http://schemas.microsoft.com/office/powerpoint/2010/main" val="3816159132"/>
-      </p:ext>
-    </p:extLst>
-  </p:cSld>
-  <p:clrMapOvr>
-    <a:masterClrMapping/>
-  </p:clrMapOvr>
-</p:sld>
-</file>
-
-<file path=ppt/slides/slide15.xml><?xml version="1.0" encoding="utf-8"?>
-<p:sld xmlns:a="http://schemas.openxmlformats.org/drawingml/2006/main" xmlns:r="http://schemas.openxmlformats.org/officeDocument/2006/relationships" xmlns:p="http://schemas.openxmlformats.org/presentationml/2006/main">
-  <p:cSld>
-    <p:spTree>
-      <p:nvGrpSpPr>
-        <p:cNvPr id="1" name=""/>
-        <p:cNvGrpSpPr/>
-        <p:nvPr/>
-      </p:nvGrpSpPr>
-      <p:grpSpPr>
-        <a:xfrm>
-          <a:off x="0" y="0"/>
-          <a:ext cx="0" cy="0"/>
-          <a:chOff x="0" y="0"/>
-          <a:chExt cx="0" cy="0"/>
-        </a:xfrm>
-      </p:grpSpPr>
-      <p:sp>
-        <p:nvSpPr>
-          <p:cNvPr id="2" name="Title 1">
-            <a:extLst>
-              <a:ext uri="{FF2B5EF4-FFF2-40B4-BE49-F238E27FC236}">
                 <a16:creationId xmlns:a16="http://schemas.microsoft.com/office/drawing/2014/main" id="{8C44D2BE-9ED7-4630-9722-F23BB08A0FED}"/>
               </a:ext>
             </a:extLst>
@@ -7855,7 +8093,7 @@
 </p:sld>
 </file>
 
-<file path=ppt/slides/slide16.xml><?xml version="1.0" encoding="utf-8"?>
+<file path=ppt/slides/slide15.xml><?xml version="1.0" encoding="utf-8"?>
 <p:sld xmlns:a="http://schemas.openxmlformats.org/drawingml/2006/main" xmlns:r="http://schemas.openxmlformats.org/officeDocument/2006/relationships" xmlns:p="http://schemas.openxmlformats.org/presentationml/2006/main">
   <p:cSld>
     <p:spTree>
@@ -7964,6 +8202,182 @@
 </p:sld>
 </file>
 
+<file path=ppt/slides/slide16.xml><?xml version="1.0" encoding="utf-8"?>
+<p:sld xmlns:a="http://schemas.openxmlformats.org/drawingml/2006/main" xmlns:r="http://schemas.openxmlformats.org/officeDocument/2006/relationships" xmlns:p="http://schemas.openxmlformats.org/presentationml/2006/main">
+  <p:cSld>
+    <p:spTree>
+      <p:nvGrpSpPr>
+        <p:cNvPr id="1" name=""/>
+        <p:cNvGrpSpPr/>
+        <p:nvPr/>
+      </p:nvGrpSpPr>
+      <p:grpSpPr>
+        <a:xfrm>
+          <a:off x="0" y="0"/>
+          <a:ext cx="0" cy="0"/>
+          <a:chOff x="0" y="0"/>
+          <a:chExt cx="0" cy="0"/>
+        </a:xfrm>
+      </p:grpSpPr>
+      <p:sp>
+        <p:nvSpPr>
+          <p:cNvPr id="2" name="Title 1">
+            <a:extLst>
+              <a:ext uri="{FF2B5EF4-FFF2-40B4-BE49-F238E27FC236}">
+                <a16:creationId xmlns:a16="http://schemas.microsoft.com/office/drawing/2014/main" id="{860008BE-8D91-45A5-9CB0-ACF4736321C4}"/>
+              </a:ext>
+            </a:extLst>
+          </p:cNvPr>
+          <p:cNvSpPr>
+            <a:spLocks noGrp="1"/>
+          </p:cNvSpPr>
+          <p:nvPr>
+            <p:ph type="title"/>
+          </p:nvPr>
+        </p:nvSpPr>
+        <p:spPr>
+          <a:xfrm>
+            <a:off x="672041" y="671971"/>
+            <a:ext cx="7678139" cy="1455937"/>
+          </a:xfrm>
+        </p:spPr>
+        <p:txBody>
+          <a:bodyPr/>
+          <a:lstStyle/>
+          <a:p>
+            <a:r>
+              <a:rPr lang="cs-CZ" dirty="0" err="1">
+                <a:solidFill>
+                  <a:schemeClr val="tx1"/>
+                </a:solidFill>
+              </a:rPr>
+              <a:t>Wordcloud</a:t>
+            </a:r>
+            <a:r>
+              <a:rPr lang="cs-CZ" dirty="0">
+                <a:solidFill>
+                  <a:schemeClr val="tx1"/>
+                </a:solidFill>
+              </a:rPr>
+              <a:t> sčítání </a:t>
+            </a:r>
+            <a:br>
+              <a:rPr lang="cs-CZ" dirty="0">
+                <a:solidFill>
+                  <a:schemeClr val="tx1"/>
+                </a:solidFill>
+              </a:rPr>
+            </a:br>
+            <a:r>
+              <a:rPr lang="cs-CZ" dirty="0">
+                <a:solidFill>
+                  <a:schemeClr val="tx1"/>
+                </a:solidFill>
+              </a:rPr>
+              <a:t>po vyčištění</a:t>
+            </a:r>
+            <a:endParaRPr lang="en-US" dirty="0">
+              <a:solidFill>
+                <a:schemeClr val="tx1"/>
+              </a:solidFill>
+            </a:endParaRPr>
+          </a:p>
+        </p:txBody>
+      </p:sp>
+      <p:pic>
+        <p:nvPicPr>
+          <p:cNvPr id="5" name="Content Placeholder 4">
+            <a:extLst>
+              <a:ext uri="{FF2B5EF4-FFF2-40B4-BE49-F238E27FC236}">
+                <a16:creationId xmlns:a16="http://schemas.microsoft.com/office/drawing/2014/main" id="{C5298452-A36E-40F6-999E-74791830780A}"/>
+              </a:ext>
+            </a:extLst>
+          </p:cNvPr>
+          <p:cNvPicPr>
+            <a:picLocks noGrp="1" noChangeAspect="1"/>
+          </p:cNvPicPr>
+          <p:nvPr>
+            <p:ph idx="1"/>
+          </p:nvPr>
+        </p:nvPicPr>
+        <p:blipFill rotWithShape="1">
+          <a:blip r:embed="rId2">
+            <a:extLst>
+              <a:ext uri="{28A0092B-C50C-407E-A947-70E740481C1C}">
+                <a14:useLocalDpi xmlns:a14="http://schemas.microsoft.com/office/drawing/2010/main" val="0"/>
+              </a:ext>
+            </a:extLst>
+          </a:blip>
+          <a:srcRect l="8968" t="2349" r="8326" b="6689"/>
+          <a:stretch/>
+        </p:blipFill>
+        <p:spPr>
+          <a:xfrm>
+            <a:off x="10048" y="2734056"/>
+            <a:ext cx="9402028" cy="4825619"/>
+          </a:xfrm>
+        </p:spPr>
+      </p:pic>
+      <p:pic>
+        <p:nvPicPr>
+          <p:cNvPr id="4" name="Picture 2" descr="VÃ½sledek obrÃ¡zku pro you know nothing jon snow">
+            <a:extLst>
+              <a:ext uri="{FF2B5EF4-FFF2-40B4-BE49-F238E27FC236}">
+                <a16:creationId xmlns:a16="http://schemas.microsoft.com/office/drawing/2014/main" id="{4478E8C6-C0BD-4E30-A922-C4DE3F6C7656}"/>
+              </a:ext>
+            </a:extLst>
+          </p:cNvPr>
+          <p:cNvPicPr>
+            <a:picLocks noChangeAspect="1" noChangeArrowheads="1"/>
+          </p:cNvPicPr>
+          <p:nvPr/>
+        </p:nvPicPr>
+        <p:blipFill>
+          <a:blip r:embed="rId3">
+            <a:extLst>
+              <a:ext uri="{28A0092B-C50C-407E-A947-70E740481C1C}">
+                <a14:useLocalDpi xmlns:a14="http://schemas.microsoft.com/office/drawing/2010/main" val="0"/>
+              </a:ext>
+            </a:extLst>
+          </a:blip>
+          <a:srcRect/>
+          <a:stretch>
+            <a:fillRect/>
+          </a:stretch>
+        </p:blipFill>
+        <p:spPr bwMode="auto">
+          <a:xfrm>
+            <a:off x="5989320" y="-1"/>
+            <a:ext cx="4091305" cy="2719853"/>
+          </a:xfrm>
+          <a:prstGeom prst="rect">
+            <a:avLst/>
+          </a:prstGeom>
+          <a:noFill/>
+          <a:extLst>
+            <a:ext uri="{909E8E84-426E-40DD-AFC4-6F175D3DCCD1}">
+              <a14:hiddenFill xmlns:a14="http://schemas.microsoft.com/office/drawing/2010/main">
+                <a:solidFill>
+                  <a:srgbClr val="FFFFFF"/>
+                </a:solidFill>
+              </a14:hiddenFill>
+            </a:ext>
+          </a:extLst>
+        </p:spPr>
+      </p:pic>
+    </p:spTree>
+    <p:extLst>
+      <p:ext uri="{BB962C8B-B14F-4D97-AF65-F5344CB8AC3E}">
+        <p14:creationId xmlns:p14="http://schemas.microsoft.com/office/powerpoint/2010/main" val="692679221"/>
+      </p:ext>
+    </p:extLst>
+  </p:cSld>
+  <p:clrMapOvr>
+    <a:masterClrMapping/>
+  </p:clrMapOvr>
+</p:sld>
+</file>
+
 <file path=ppt/slides/slide17.xml><?xml version="1.0" encoding="utf-8"?>
 <p:sld xmlns:a="http://schemas.openxmlformats.org/drawingml/2006/main" xmlns:r="http://schemas.openxmlformats.org/officeDocument/2006/relationships" xmlns:p="http://schemas.openxmlformats.org/presentationml/2006/main">
   <p:cSld>
@@ -7986,7 +8400,7 @@
           <p:cNvPr id="2" name="Title 1">
             <a:extLst>
               <a:ext uri="{FF2B5EF4-FFF2-40B4-BE49-F238E27FC236}">
-                <a16:creationId xmlns:a16="http://schemas.microsoft.com/office/drawing/2014/main" id="{860008BE-8D91-45A5-9CB0-ACF4736321C4}"/>
+                <a16:creationId xmlns:a16="http://schemas.microsoft.com/office/drawing/2014/main" id="{BBF6AC24-1450-470C-990B-43BB134F54DF}"/>
               </a:ext>
             </a:extLst>
           </p:cNvPr>
@@ -7997,31 +8411,18 @@
             <p:ph type="title"/>
           </p:nvPr>
         </p:nvSpPr>
-        <p:spPr>
-          <a:xfrm>
-            <a:off x="672041" y="671971"/>
-            <a:ext cx="7678139" cy="1455937"/>
-          </a:xfrm>
-        </p:spPr>
+        <p:spPr/>
         <p:txBody>
           <a:bodyPr/>
           <a:lstStyle/>
           <a:p>
             <a:r>
-              <a:rPr lang="cs-CZ" dirty="0" err="1">
+              <a:rPr lang="cs-CZ" dirty="0">
                 <a:solidFill>
                   <a:schemeClr val="tx1"/>
                 </a:solidFill>
               </a:rPr>
-              <a:t>Wordcloud</a:t>
-            </a:r>
-            <a:r>
-              <a:rPr lang="cs-CZ" dirty="0">
-                <a:solidFill>
-                  <a:schemeClr val="tx1"/>
-                </a:solidFill>
-              </a:rPr>
-              <a:t> sčítání po vyčištění</a:t>
+              <a:t>Hádanka</a:t>
             </a:r>
             <a:endParaRPr lang="en-US" dirty="0">
               <a:solidFill>
@@ -8031,44 +8432,75 @@
           </a:p>
         </p:txBody>
       </p:sp>
-      <p:pic>
-        <p:nvPicPr>
-          <p:cNvPr id="5" name="Content Placeholder 4">
+      <p:sp>
+        <p:nvSpPr>
+          <p:cNvPr id="3" name="Content Placeholder 2">
             <a:extLst>
               <a:ext uri="{FF2B5EF4-FFF2-40B4-BE49-F238E27FC236}">
-                <a16:creationId xmlns:a16="http://schemas.microsoft.com/office/drawing/2014/main" id="{C5298452-A36E-40F6-999E-74791830780A}"/>
+                <a16:creationId xmlns:a16="http://schemas.microsoft.com/office/drawing/2014/main" id="{4FF61D5E-A708-4C5A-8176-3A8FC17D0084}"/>
               </a:ext>
             </a:extLst>
           </p:cNvPr>
-          <p:cNvPicPr>
-            <a:picLocks noGrp="1" noChangeAspect="1"/>
-          </p:cNvPicPr>
+          <p:cNvSpPr>
+            <a:spLocks noGrp="1"/>
+          </p:cNvSpPr>
           <p:nvPr>
             <p:ph idx="1"/>
           </p:nvPr>
-        </p:nvPicPr>
-        <p:blipFill rotWithShape="1">
-          <a:blip r:embed="rId2">
-            <a:extLst>
-              <a:ext uri="{28A0092B-C50C-407E-A947-70E740481C1C}">
-                <a14:useLocalDpi xmlns:a14="http://schemas.microsoft.com/office/drawing/2010/main" val="0"/>
-              </a:ext>
-            </a:extLst>
-          </a:blip>
-          <a:srcRect l="8968" t="2349" r="8326" b="6689"/>
-          <a:stretch/>
-        </p:blipFill>
-        <p:spPr>
-          <a:xfrm>
-            <a:off x="10047" y="2391508"/>
-            <a:ext cx="10069433" cy="5168167"/>
-          </a:xfrm>
-        </p:spPr>
-      </p:pic>
+        </p:nvSpPr>
+        <p:spPr/>
+        <p:txBody>
+          <a:bodyPr/>
+          <a:lstStyle/>
+          <a:p>
+            <a:r>
+              <a:rPr lang="cs-CZ" dirty="0"/>
+              <a:t>Každý člověk má trochu jinou slovní zásobu, jiná často používaná slova, jiný poměr používaných slov, atd.</a:t>
+            </a:r>
+          </a:p>
+          <a:p>
+            <a:r>
+              <a:rPr lang="cs-CZ" dirty="0"/>
+              <a:t>2 </a:t>
+            </a:r>
+            <a:r>
+              <a:rPr lang="cs-CZ" dirty="0" err="1"/>
+              <a:t>wordcloudy</a:t>
+            </a:r>
+            <a:r>
+              <a:rPr lang="cs-CZ" dirty="0"/>
+              <a:t> osob velmi známých ve sčítání a v </a:t>
+            </a:r>
+            <a:r>
+              <a:rPr lang="cs-CZ" dirty="0" err="1"/>
+              <a:t>otaku</a:t>
+            </a:r>
+            <a:r>
+              <a:rPr lang="cs-CZ" dirty="0"/>
+              <a:t> komunitě obecně</a:t>
+            </a:r>
+          </a:p>
+          <a:p>
+            <a:r>
+              <a:rPr lang="cs-CZ" dirty="0"/>
+              <a:t>Velikost slova = míra používání oproti ostatním slovům ve </a:t>
+            </a:r>
+            <a:r>
+              <a:rPr lang="cs-CZ" dirty="0" err="1"/>
+              <a:t>wordcloudu</a:t>
+            </a:r>
+            <a:r>
+              <a:rPr lang="cs-CZ" dirty="0"/>
+              <a:t>, čím větší, tím častěji používáno</a:t>
+            </a:r>
+            <a:endParaRPr lang="en-US" dirty="0"/>
+          </a:p>
+        </p:txBody>
+      </p:sp>
     </p:spTree>
     <p:extLst>
       <p:ext uri="{BB962C8B-B14F-4D97-AF65-F5344CB8AC3E}">
-        <p14:creationId xmlns:p14="http://schemas.microsoft.com/office/powerpoint/2010/main" val="692679221"/>
+        <p14:creationId xmlns:p14="http://schemas.microsoft.com/office/powerpoint/2010/main" val="3786962041"/>
       </p:ext>
     </p:extLst>
   </p:cSld>
@@ -8100,7 +8532,7 @@
           <p:cNvPr id="2" name="Title 1">
             <a:extLst>
               <a:ext uri="{FF2B5EF4-FFF2-40B4-BE49-F238E27FC236}">
-                <a16:creationId xmlns:a16="http://schemas.microsoft.com/office/drawing/2014/main" id="{FE1243D8-E7EC-4859-B9D8-C0855526CD37}"/>
+                <a16:creationId xmlns:a16="http://schemas.microsoft.com/office/drawing/2014/main" id="{82B042FD-48B1-4CB1-8330-8E5EDB925D3A}"/>
               </a:ext>
             </a:extLst>
           </p:cNvPr>
@@ -8117,28 +8549,12 @@
           <a:lstStyle/>
           <a:p>
             <a:r>
-              <a:rPr lang="cs-CZ" dirty="0" err="1">
+              <a:rPr lang="cs-CZ" dirty="0">
                 <a:solidFill>
                   <a:schemeClr val="tx1"/>
                 </a:solidFill>
               </a:rPr>
-              <a:t>Wordcloud</a:t>
-            </a:r>
-            <a:r>
-              <a:rPr lang="cs-CZ" dirty="0">
-                <a:solidFill>
-                  <a:schemeClr val="tx1"/>
-                </a:solidFill>
-              </a:rPr>
-              <a:t> Adama </a:t>
-            </a:r>
-            <a:r>
-              <a:rPr lang="cs-CZ" dirty="0" err="1">
-                <a:solidFill>
-                  <a:schemeClr val="tx1"/>
-                </a:solidFill>
-              </a:rPr>
-              <a:t>Furika</a:t>
+              <a:t>Hádanka 1</a:t>
             </a:r>
             <a:endParaRPr lang="en-US" dirty="0">
               <a:solidFill>
@@ -8148,24 +8564,47 @@
           </a:p>
         </p:txBody>
       </p:sp>
+      <p:sp>
+        <p:nvSpPr>
+          <p:cNvPr id="3" name="Content Placeholder 2">
+            <a:extLst>
+              <a:ext uri="{FF2B5EF4-FFF2-40B4-BE49-F238E27FC236}">
+                <a16:creationId xmlns:a16="http://schemas.microsoft.com/office/drawing/2014/main" id="{8B5D1B0C-B1C9-4038-BC73-D02DE1E60EAB}"/>
+              </a:ext>
+            </a:extLst>
+          </p:cNvPr>
+          <p:cNvSpPr>
+            <a:spLocks noGrp="1"/>
+          </p:cNvSpPr>
+          <p:nvPr>
+            <p:ph idx="1"/>
+          </p:nvPr>
+        </p:nvSpPr>
+        <p:spPr/>
+        <p:txBody>
+          <a:bodyPr/>
+          <a:lstStyle/>
+          <a:p>
+            <a:endParaRPr lang="en-US"/>
+          </a:p>
+        </p:txBody>
+      </p:sp>
       <p:pic>
         <p:nvPicPr>
-          <p:cNvPr id="5" name="Content Placeholder 4">
+          <p:cNvPr id="4" name="Content Placeholder 4">
             <a:extLst>
               <a:ext uri="{FF2B5EF4-FFF2-40B4-BE49-F238E27FC236}">
-                <a16:creationId xmlns:a16="http://schemas.microsoft.com/office/drawing/2014/main" id="{D30A9128-E650-42E5-8EFA-196FFFB7E21F}"/>
+                <a16:creationId xmlns:a16="http://schemas.microsoft.com/office/drawing/2014/main" id="{0BD28196-BBBC-4DE9-9636-66D155D58794}"/>
               </a:ext>
             </a:extLst>
           </p:cNvPr>
           <p:cNvPicPr>
-            <a:picLocks noGrp="1" noChangeAspect="1"/>
+            <a:picLocks noChangeAspect="1"/>
           </p:cNvPicPr>
-          <p:nvPr>
-            <p:ph idx="1"/>
-          </p:nvPr>
+          <p:nvPr/>
         </p:nvPicPr>
         <p:blipFill rotWithShape="1">
-          <a:blip r:embed="rId2">
+          <a:blip r:embed="rId3">
             <a:extLst>
               <a:ext uri="{28A0092B-C50C-407E-A947-70E740481C1C}">
                 <a14:useLocalDpi xmlns:a14="http://schemas.microsoft.com/office/drawing/2010/main" val="0"/>
@@ -8180,12 +8619,116 @@
             <a:off x="0" y="2441750"/>
             <a:ext cx="10054562" cy="5117926"/>
           </a:xfrm>
+          <a:prstGeom prst="rect">
+            <a:avLst/>
+          </a:prstGeom>
         </p:spPr>
       </p:pic>
     </p:spTree>
     <p:extLst>
       <p:ext uri="{BB962C8B-B14F-4D97-AF65-F5344CB8AC3E}">
-        <p14:creationId xmlns:p14="http://schemas.microsoft.com/office/powerpoint/2010/main" val="1238220150"/>
+        <p14:creationId xmlns:p14="http://schemas.microsoft.com/office/powerpoint/2010/main" val="2557870258"/>
+      </p:ext>
+    </p:extLst>
+  </p:cSld>
+  <p:clrMapOvr>
+    <a:masterClrMapping/>
+  </p:clrMapOvr>
+</p:sld>
+</file>
+
+<file path=ppt/slides/slide19.xml><?xml version="1.0" encoding="utf-8"?>
+<p:sld xmlns:a="http://schemas.openxmlformats.org/drawingml/2006/main" xmlns:r="http://schemas.openxmlformats.org/officeDocument/2006/relationships" xmlns:p="http://schemas.openxmlformats.org/presentationml/2006/main">
+  <p:cSld>
+    <p:spTree>
+      <p:nvGrpSpPr>
+        <p:cNvPr id="1" name=""/>
+        <p:cNvGrpSpPr/>
+        <p:nvPr/>
+      </p:nvGrpSpPr>
+      <p:grpSpPr>
+        <a:xfrm>
+          <a:off x="0" y="0"/>
+          <a:ext cx="0" cy="0"/>
+          <a:chOff x="0" y="0"/>
+          <a:chExt cx="0" cy="0"/>
+        </a:xfrm>
+      </p:grpSpPr>
+      <p:sp>
+        <p:nvSpPr>
+          <p:cNvPr id="2" name="Title 1">
+            <a:extLst>
+              <a:ext uri="{FF2B5EF4-FFF2-40B4-BE49-F238E27FC236}">
+                <a16:creationId xmlns:a16="http://schemas.microsoft.com/office/drawing/2014/main" id="{82B042FD-48B1-4CB1-8330-8E5EDB925D3A}"/>
+              </a:ext>
+            </a:extLst>
+          </p:cNvPr>
+          <p:cNvSpPr>
+            <a:spLocks noGrp="1"/>
+          </p:cNvSpPr>
+          <p:nvPr>
+            <p:ph type="title"/>
+          </p:nvPr>
+        </p:nvSpPr>
+        <p:spPr/>
+        <p:txBody>
+          <a:bodyPr/>
+          <a:lstStyle/>
+          <a:p>
+            <a:r>
+              <a:rPr lang="cs-CZ" dirty="0">
+                <a:solidFill>
+                  <a:schemeClr val="tx1"/>
+                </a:solidFill>
+              </a:rPr>
+              <a:t>Hádanka 2</a:t>
+            </a:r>
+            <a:endParaRPr lang="en-US" dirty="0">
+              <a:solidFill>
+                <a:schemeClr val="tx1"/>
+              </a:solidFill>
+            </a:endParaRPr>
+          </a:p>
+        </p:txBody>
+      </p:sp>
+      <p:pic>
+        <p:nvPicPr>
+          <p:cNvPr id="6" name="Content Placeholder 5">
+            <a:extLst>
+              <a:ext uri="{FF2B5EF4-FFF2-40B4-BE49-F238E27FC236}">
+                <a16:creationId xmlns:a16="http://schemas.microsoft.com/office/drawing/2014/main" id="{2FAFC6EC-E89A-45A8-A0BE-0D3849EFAC03}"/>
+              </a:ext>
+            </a:extLst>
+          </p:cNvPr>
+          <p:cNvPicPr>
+            <a:picLocks noGrp="1" noChangeAspect="1"/>
+          </p:cNvPicPr>
+          <p:nvPr>
+            <p:ph idx="1"/>
+          </p:nvPr>
+        </p:nvPicPr>
+        <p:blipFill rotWithShape="1">
+          <a:blip r:embed="rId3">
+            <a:extLst>
+              <a:ext uri="{28A0092B-C50C-407E-A947-70E740481C1C}">
+                <a14:useLocalDpi xmlns:a14="http://schemas.microsoft.com/office/drawing/2010/main" val="0"/>
+              </a:ext>
+            </a:extLst>
+          </a:blip>
+          <a:srcRect l="14970" t="10698" r="13161" b="10899"/>
+          <a:stretch/>
+        </p:blipFill>
+        <p:spPr>
+          <a:xfrm>
+            <a:off x="0" y="2432304"/>
+            <a:ext cx="10071624" cy="5127371"/>
+          </a:xfrm>
+        </p:spPr>
+      </p:pic>
+    </p:spTree>
+    <p:extLst>
+      <p:ext uri="{BB962C8B-B14F-4D97-AF65-F5344CB8AC3E}">
+        <p14:creationId xmlns:p14="http://schemas.microsoft.com/office/powerpoint/2010/main" val="1864329149"/>
       </p:ext>
     </p:extLst>
   </p:cSld>
@@ -8684,6 +9227,270 @@
     <p:extLst>
       <p:ext uri="{BB962C8B-B14F-4D97-AF65-F5344CB8AC3E}">
         <p14:creationId xmlns:p14="http://schemas.microsoft.com/office/powerpoint/2010/main" val="1727602498"/>
+      </p:ext>
+    </p:extLst>
+  </p:cSld>
+  <p:clrMapOvr>
+    <a:masterClrMapping/>
+  </p:clrMapOvr>
+</p:sld>
+</file>
+
+<file path=ppt/slides/slide20.xml><?xml version="1.0" encoding="utf-8"?>
+<p:sld xmlns:a="http://schemas.openxmlformats.org/drawingml/2006/main" xmlns:r="http://schemas.openxmlformats.org/officeDocument/2006/relationships" xmlns:p="http://schemas.openxmlformats.org/presentationml/2006/main">
+  <p:cSld>
+    <p:spTree>
+      <p:nvGrpSpPr>
+        <p:cNvPr id="1" name=""/>
+        <p:cNvGrpSpPr/>
+        <p:nvPr/>
+      </p:nvGrpSpPr>
+      <p:grpSpPr>
+        <a:xfrm>
+          <a:off x="0" y="0"/>
+          <a:ext cx="0" cy="0"/>
+          <a:chOff x="0" y="0"/>
+          <a:chExt cx="0" cy="0"/>
+        </a:xfrm>
+      </p:grpSpPr>
+      <p:pic>
+        <p:nvPicPr>
+          <p:cNvPr id="5" name="Picture 4">
+            <a:extLst>
+              <a:ext uri="{FF2B5EF4-FFF2-40B4-BE49-F238E27FC236}">
+                <a16:creationId xmlns:a16="http://schemas.microsoft.com/office/drawing/2014/main" id="{F862CB58-F43E-4983-94A5-A7E9AA89922B}"/>
+              </a:ext>
+            </a:extLst>
+          </p:cNvPr>
+          <p:cNvPicPr>
+            <a:picLocks noChangeAspect="1"/>
+          </p:cNvPicPr>
+          <p:nvPr/>
+        </p:nvPicPr>
+        <p:blipFill rotWithShape="1">
+          <a:blip r:embed="rId3" cstate="print">
+            <a:extLst>
+              <a:ext uri="{28A0092B-C50C-407E-A947-70E740481C1C}">
+                <a14:useLocalDpi xmlns:a14="http://schemas.microsoft.com/office/drawing/2010/main" val="0"/>
+              </a:ext>
+            </a:extLst>
+          </a:blip>
+          <a:srcRect t="29600" b="15329"/>
+          <a:stretch/>
+        </p:blipFill>
+        <p:spPr>
+          <a:xfrm>
+            <a:off x="3928905" y="2545394"/>
+            <a:ext cx="6151721" cy="5014281"/>
+          </a:xfrm>
+          <a:prstGeom prst="rect">
+            <a:avLst/>
+          </a:prstGeom>
+        </p:spPr>
+      </p:pic>
+      <p:sp>
+        <p:nvSpPr>
+          <p:cNvPr id="2" name="Title 1">
+            <a:extLst>
+              <a:ext uri="{FF2B5EF4-FFF2-40B4-BE49-F238E27FC236}">
+                <a16:creationId xmlns:a16="http://schemas.microsoft.com/office/drawing/2014/main" id="{1D305C61-DE5A-4995-A300-9F39B12EECE0}"/>
+              </a:ext>
+            </a:extLst>
+          </p:cNvPr>
+          <p:cNvSpPr>
+            <a:spLocks noGrp="1"/>
+          </p:cNvSpPr>
+          <p:nvPr>
+            <p:ph type="title"/>
+          </p:nvPr>
+        </p:nvSpPr>
+        <p:spPr/>
+        <p:txBody>
+          <a:bodyPr/>
+          <a:lstStyle/>
+          <a:p>
+            <a:r>
+              <a:rPr lang="cs-CZ" dirty="0"/>
+              <a:t>SOUTĚŽ!</a:t>
+            </a:r>
+            <a:endParaRPr lang="en-US" dirty="0"/>
+          </a:p>
+        </p:txBody>
+      </p:sp>
+      <p:sp>
+        <p:nvSpPr>
+          <p:cNvPr id="3" name="Content Placeholder 2">
+            <a:extLst>
+              <a:ext uri="{FF2B5EF4-FFF2-40B4-BE49-F238E27FC236}">
+                <a16:creationId xmlns:a16="http://schemas.microsoft.com/office/drawing/2014/main" id="{0D9268B5-ED4A-4D65-8668-D23BC2BC3A6B}"/>
+              </a:ext>
+            </a:extLst>
+          </p:cNvPr>
+          <p:cNvSpPr>
+            <a:spLocks noGrp="1"/>
+          </p:cNvSpPr>
+          <p:nvPr>
+            <p:ph idx="1"/>
+          </p:nvPr>
+        </p:nvSpPr>
+        <p:spPr>
+          <a:xfrm>
+            <a:off x="683019" y="2019911"/>
+            <a:ext cx="6997914" cy="4277834"/>
+          </a:xfrm>
+        </p:spPr>
+        <p:txBody>
+          <a:bodyPr>
+            <a:normAutofit/>
+          </a:bodyPr>
+          <a:lstStyle/>
+          <a:p>
+            <a:r>
+              <a:rPr lang="cs-CZ" sz="3200" dirty="0"/>
+              <a:t>Kolik znaků má nejdelší příspěvek na sčítání?</a:t>
+            </a:r>
+          </a:p>
+          <a:p>
+            <a:r>
+              <a:rPr lang="cs-CZ" sz="3200" dirty="0"/>
+              <a:t>Výhra: krásný </a:t>
+            </a:r>
+            <a:r>
+              <a:rPr lang="cs-CZ" sz="3200" dirty="0" err="1"/>
+              <a:t>Animefestí</a:t>
+            </a:r>
+            <a:r>
+              <a:rPr lang="cs-CZ" sz="3200" dirty="0"/>
+              <a:t> plecháček</a:t>
+            </a:r>
+            <a:endParaRPr lang="en-US" sz="3200" dirty="0"/>
+          </a:p>
+        </p:txBody>
+      </p:sp>
+    </p:spTree>
+    <p:extLst>
+      <p:ext uri="{BB962C8B-B14F-4D97-AF65-F5344CB8AC3E}">
+        <p14:creationId xmlns:p14="http://schemas.microsoft.com/office/powerpoint/2010/main" val="174783190"/>
+      </p:ext>
+    </p:extLst>
+  </p:cSld>
+  <p:clrMapOvr>
+    <a:masterClrMapping/>
+  </p:clrMapOvr>
+</p:sld>
+</file>
+
+<file path=ppt/slides/slide21.xml><?xml version="1.0" encoding="utf-8"?>
+<p:sld xmlns:a="http://schemas.openxmlformats.org/drawingml/2006/main" xmlns:r="http://schemas.openxmlformats.org/officeDocument/2006/relationships" xmlns:p="http://schemas.openxmlformats.org/presentationml/2006/main">
+  <p:cSld>
+    <p:spTree>
+      <p:nvGrpSpPr>
+        <p:cNvPr id="1" name=""/>
+        <p:cNvGrpSpPr/>
+        <p:nvPr/>
+      </p:nvGrpSpPr>
+      <p:grpSpPr>
+        <a:xfrm>
+          <a:off x="0" y="0"/>
+          <a:ext cx="0" cy="0"/>
+          <a:chOff x="0" y="0"/>
+          <a:chExt cx="0" cy="0"/>
+        </a:xfrm>
+      </p:grpSpPr>
+      <p:sp>
+        <p:nvSpPr>
+          <p:cNvPr id="2" name="Title 1">
+            <a:extLst>
+              <a:ext uri="{FF2B5EF4-FFF2-40B4-BE49-F238E27FC236}">
+                <a16:creationId xmlns:a16="http://schemas.microsoft.com/office/drawing/2014/main" id="{9C9F1AA0-6D42-4990-B519-FB8A12DFD365}"/>
+              </a:ext>
+            </a:extLst>
+          </p:cNvPr>
+          <p:cNvSpPr>
+            <a:spLocks noGrp="1"/>
+          </p:cNvSpPr>
+          <p:nvPr>
+            <p:ph type="title"/>
+          </p:nvPr>
+        </p:nvSpPr>
+        <p:spPr/>
+        <p:txBody>
+          <a:bodyPr/>
+          <a:lstStyle/>
+          <a:p>
+            <a:endParaRPr lang="en-US"/>
+          </a:p>
+        </p:txBody>
+      </p:sp>
+      <p:sp>
+        <p:nvSpPr>
+          <p:cNvPr id="3" name="Content Placeholder 2">
+            <a:extLst>
+              <a:ext uri="{FF2B5EF4-FFF2-40B4-BE49-F238E27FC236}">
+                <a16:creationId xmlns:a16="http://schemas.microsoft.com/office/drawing/2014/main" id="{AB62A593-884C-41BD-AB21-7C8623BC085F}"/>
+              </a:ext>
+            </a:extLst>
+          </p:cNvPr>
+          <p:cNvSpPr>
+            <a:spLocks noGrp="1"/>
+          </p:cNvSpPr>
+          <p:nvPr>
+            <p:ph idx="1"/>
+          </p:nvPr>
+        </p:nvSpPr>
+        <p:spPr/>
+        <p:txBody>
+          <a:bodyPr/>
+          <a:lstStyle/>
+          <a:p>
+            <a:r>
+              <a:rPr lang="cs-CZ" dirty="0" err="1"/>
+              <a:t>Todo</a:t>
+            </a:r>
+            <a:r>
+              <a:rPr lang="cs-CZ" dirty="0"/>
+              <a:t>: osekat časové grafy, jen do konce 2018</a:t>
+            </a:r>
+          </a:p>
+          <a:p>
+            <a:r>
+              <a:rPr lang="cs-CZ" dirty="0"/>
+              <a:t>Přidat frekvenci: boku no </a:t>
+            </a:r>
+            <a:r>
+              <a:rPr lang="cs-CZ" dirty="0" err="1"/>
+              <a:t>pico</a:t>
+            </a:r>
+            <a:r>
+              <a:rPr lang="cs-CZ" dirty="0"/>
+              <a:t>, </a:t>
+            </a:r>
+            <a:r>
+              <a:rPr lang="cs-CZ" dirty="0" err="1"/>
+              <a:t>naruto</a:t>
+            </a:r>
+            <a:r>
+              <a:rPr lang="cs-CZ" dirty="0"/>
+              <a:t>, a nějaké další?</a:t>
+            </a:r>
+          </a:p>
+          <a:p>
+            <a:r>
+              <a:rPr lang="cs-CZ" dirty="0"/>
+              <a:t>Ke grafu věku do šipky </a:t>
+            </a:r>
+            <a:r>
+              <a:rPr lang="cs-CZ" dirty="0" err="1"/>
+              <a:t>Hinzáka</a:t>
+            </a:r>
+            <a:endParaRPr lang="en-US" dirty="0"/>
+          </a:p>
+        </p:txBody>
+      </p:sp>
+    </p:spTree>
+    <p:extLst>
+      <p:ext uri="{BB962C8B-B14F-4D97-AF65-F5344CB8AC3E}">
+        <p14:creationId xmlns:p14="http://schemas.microsoft.com/office/powerpoint/2010/main" val="3915496247"/>
       </p:ext>
     </p:extLst>
   </p:cSld>
